--- a/notebook/javaer/ppt/1.Synchronized的底层实现原理.pptx
+++ b/notebook/javaer/ppt/1.Synchronized的底层实现原理.pptx
@@ -2,11 +2,14 @@
 <file path=ppt/presentation.xml><?xml version="1.0" encoding="utf-8"?>
 <p:presentation xmlns:a="http://schemas.openxmlformats.org/drawingml/2006/main" xmlns:r="http://schemas.openxmlformats.org/officeDocument/2006/relationships" xmlns:p="http://schemas.openxmlformats.org/presentationml/2006/main" saveSubsetFonts="1">
   <p:sldMasterIdLst>
-    <p:sldMasterId id="2147483660" r:id="rId1"/>
+    <p:sldMasterId id="2147483696" r:id="rId1"/>
   </p:sldMasterIdLst>
   <p:sldIdLst>
     <p:sldId id="258" r:id="rId2"/>
     <p:sldId id="257" r:id="rId3"/>
+    <p:sldId id="260" r:id="rId4"/>
+    <p:sldId id="259" r:id="rId5"/>
+    <p:sldId id="261" r:id="rId6"/>
   </p:sldIdLst>
   <p:sldSz cx="12192000" cy="6858000"/>
   <p:notesSz cx="6858000" cy="9144000"/>
@@ -105,6 +108,11 @@
       </a:defRPr>
     </a:lvl9pPr>
   </p:defaultTextStyle>
+  <p:extLst>
+    <p:ext uri="{EFAFB233-063F-42B5-8137-9DF3F51BA10A}">
+      <p15:sldGuideLst xmlns:p15="http://schemas.microsoft.com/office/powerpoint/2012/main"/>
+    </p:ext>
+  </p:extLst>
 </p:presentation>
 </file>
 
@@ -525,7 +533,7 @@
     </p:spTree>
     <p:extLst>
       <p:ext uri="{BB962C8B-B14F-4D97-AF65-F5344CB8AC3E}">
-        <p14:creationId xmlns:p14="http://schemas.microsoft.com/office/powerpoint/2010/main" val="4133697405"/>
+        <p14:creationId xmlns:p14="http://schemas.microsoft.com/office/powerpoint/2010/main" val="4119030654"/>
       </p:ext>
     </p:extLst>
   </p:cSld>
@@ -786,7 +794,7 @@
     </p:spTree>
     <p:extLst>
       <p:ext uri="{BB962C8B-B14F-4D97-AF65-F5344CB8AC3E}">
-        <p14:creationId xmlns:p14="http://schemas.microsoft.com/office/powerpoint/2010/main" val="2504743739"/>
+        <p14:creationId xmlns:p14="http://schemas.microsoft.com/office/powerpoint/2010/main" val="2102589384"/>
       </p:ext>
     </p:extLst>
   </p:cSld>
@@ -1036,7 +1044,7 @@
     </p:spTree>
     <p:extLst>
       <p:ext uri="{BB962C8B-B14F-4D97-AF65-F5344CB8AC3E}">
-        <p14:creationId xmlns:p14="http://schemas.microsoft.com/office/powerpoint/2010/main" val="474231513"/>
+        <p14:creationId xmlns:p14="http://schemas.microsoft.com/office/powerpoint/2010/main" val="3660572315"/>
       </p:ext>
     </p:extLst>
   </p:cSld>
@@ -1412,7 +1420,7 @@
     </p:spTree>
     <p:extLst>
       <p:ext uri="{BB962C8B-B14F-4D97-AF65-F5344CB8AC3E}">
-        <p14:creationId xmlns:p14="http://schemas.microsoft.com/office/powerpoint/2010/main" val="609913405"/>
+        <p14:creationId xmlns:p14="http://schemas.microsoft.com/office/powerpoint/2010/main" val="563022632"/>
       </p:ext>
     </p:extLst>
   </p:cSld>
@@ -1662,7 +1670,7 @@
     </p:spTree>
     <p:extLst>
       <p:ext uri="{BB962C8B-B14F-4D97-AF65-F5344CB8AC3E}">
-        <p14:creationId xmlns:p14="http://schemas.microsoft.com/office/powerpoint/2010/main" val="461526173"/>
+        <p14:creationId xmlns:p14="http://schemas.microsoft.com/office/powerpoint/2010/main" val="2593823055"/>
       </p:ext>
     </p:extLst>
   </p:cSld>
@@ -2032,7 +2040,7 @@
     </p:spTree>
     <p:extLst>
       <p:ext uri="{BB962C8B-B14F-4D97-AF65-F5344CB8AC3E}">
-        <p14:creationId xmlns:p14="http://schemas.microsoft.com/office/powerpoint/2010/main" val="1437664630"/>
+        <p14:creationId xmlns:p14="http://schemas.microsoft.com/office/powerpoint/2010/main" val="3237612702"/>
       </p:ext>
     </p:extLst>
   </p:cSld>
@@ -2331,7 +2339,7 @@
     </p:spTree>
     <p:extLst>
       <p:ext uri="{BB962C8B-B14F-4D97-AF65-F5344CB8AC3E}">
-        <p14:creationId xmlns:p14="http://schemas.microsoft.com/office/powerpoint/2010/main" val="295398437"/>
+        <p14:creationId xmlns:p14="http://schemas.microsoft.com/office/powerpoint/2010/main" val="3147317034"/>
       </p:ext>
     </p:extLst>
   </p:cSld>
@@ -2505,7 +2513,7 @@
     </p:spTree>
     <p:extLst>
       <p:ext uri="{BB962C8B-B14F-4D97-AF65-F5344CB8AC3E}">
-        <p14:creationId xmlns:p14="http://schemas.microsoft.com/office/powerpoint/2010/main" val="2208057730"/>
+        <p14:creationId xmlns:p14="http://schemas.microsoft.com/office/powerpoint/2010/main" val="3895132385"/>
       </p:ext>
     </p:extLst>
   </p:cSld>
@@ -2685,7 +2693,7 @@
     </p:spTree>
     <p:extLst>
       <p:ext uri="{BB962C8B-B14F-4D97-AF65-F5344CB8AC3E}">
-        <p14:creationId xmlns:p14="http://schemas.microsoft.com/office/powerpoint/2010/main" val="4197193043"/>
+        <p14:creationId xmlns:p14="http://schemas.microsoft.com/office/powerpoint/2010/main" val="2538675180"/>
       </p:ext>
     </p:extLst>
   </p:cSld>
@@ -2855,7 +2863,7 @@
     </p:spTree>
     <p:extLst>
       <p:ext uri="{BB962C8B-B14F-4D97-AF65-F5344CB8AC3E}">
-        <p14:creationId xmlns:p14="http://schemas.microsoft.com/office/powerpoint/2010/main" val="831595467"/>
+        <p14:creationId xmlns:p14="http://schemas.microsoft.com/office/powerpoint/2010/main" val="3255880525"/>
       </p:ext>
     </p:extLst>
   </p:cSld>
@@ -3105,7 +3113,7 @@
     </p:spTree>
     <p:extLst>
       <p:ext uri="{BB962C8B-B14F-4D97-AF65-F5344CB8AC3E}">
-        <p14:creationId xmlns:p14="http://schemas.microsoft.com/office/powerpoint/2010/main" val="995842375"/>
+        <p14:creationId xmlns:p14="http://schemas.microsoft.com/office/powerpoint/2010/main" val="937969447"/>
       </p:ext>
     </p:extLst>
   </p:cSld>
@@ -3341,7 +3349,7 @@
     </p:spTree>
     <p:extLst>
       <p:ext uri="{BB962C8B-B14F-4D97-AF65-F5344CB8AC3E}">
-        <p14:creationId xmlns:p14="http://schemas.microsoft.com/office/powerpoint/2010/main" val="1633365813"/>
+        <p14:creationId xmlns:p14="http://schemas.microsoft.com/office/powerpoint/2010/main" val="1940127287"/>
       </p:ext>
     </p:extLst>
   </p:cSld>
@@ -3723,7 +3731,7 @@
     </p:spTree>
     <p:extLst>
       <p:ext uri="{BB962C8B-B14F-4D97-AF65-F5344CB8AC3E}">
-        <p14:creationId xmlns:p14="http://schemas.microsoft.com/office/powerpoint/2010/main" val="2827620660"/>
+        <p14:creationId xmlns:p14="http://schemas.microsoft.com/office/powerpoint/2010/main" val="1323495317"/>
       </p:ext>
     </p:extLst>
   </p:cSld>
@@ -3841,7 +3849,7 @@
     </p:spTree>
     <p:extLst>
       <p:ext uri="{BB962C8B-B14F-4D97-AF65-F5344CB8AC3E}">
-        <p14:creationId xmlns:p14="http://schemas.microsoft.com/office/powerpoint/2010/main" val="796686472"/>
+        <p14:creationId xmlns:p14="http://schemas.microsoft.com/office/powerpoint/2010/main" val="955668047"/>
       </p:ext>
     </p:extLst>
   </p:cSld>
@@ -3936,7 +3944,7 @@
     </p:spTree>
     <p:extLst>
       <p:ext uri="{BB962C8B-B14F-4D97-AF65-F5344CB8AC3E}">
-        <p14:creationId xmlns:p14="http://schemas.microsoft.com/office/powerpoint/2010/main" val="11173971"/>
+        <p14:creationId xmlns:p14="http://schemas.microsoft.com/office/powerpoint/2010/main" val="4072576834"/>
       </p:ext>
     </p:extLst>
   </p:cSld>
@@ -4191,7 +4199,7 @@
     </p:spTree>
     <p:extLst>
       <p:ext uri="{BB962C8B-B14F-4D97-AF65-F5344CB8AC3E}">
-        <p14:creationId xmlns:p14="http://schemas.microsoft.com/office/powerpoint/2010/main" val="3576989491"/>
+        <p14:creationId xmlns:p14="http://schemas.microsoft.com/office/powerpoint/2010/main" val="3864035612"/>
       </p:ext>
     </p:extLst>
   </p:cSld>
@@ -4474,7 +4482,7 @@
     </p:spTree>
     <p:extLst>
       <p:ext uri="{BB962C8B-B14F-4D97-AF65-F5344CB8AC3E}">
-        <p14:creationId xmlns:p14="http://schemas.microsoft.com/office/powerpoint/2010/main" val="3497512698"/>
+        <p14:creationId xmlns:p14="http://schemas.microsoft.com/office/powerpoint/2010/main" val="2841724149"/>
       </p:ext>
     </p:extLst>
   </p:cSld>
@@ -4920,29 +4928,29 @@
     </p:spTree>
     <p:extLst>
       <p:ext uri="{BB962C8B-B14F-4D97-AF65-F5344CB8AC3E}">
-        <p14:creationId xmlns:p14="http://schemas.microsoft.com/office/powerpoint/2010/main" val="2446259696"/>
+        <p14:creationId xmlns:p14="http://schemas.microsoft.com/office/powerpoint/2010/main" val="3966200812"/>
       </p:ext>
     </p:extLst>
   </p:cSld>
   <p:clrMap bg1="dk1" tx1="lt1" bg2="dk2" tx2="lt2" accent1="accent1" accent2="accent2" accent3="accent3" accent4="accent4" accent5="accent5" accent6="accent6" hlink="hlink" folHlink="folHlink"/>
   <p:sldLayoutIdLst>
-    <p:sldLayoutId id="2147483661" r:id="rId1"/>
-    <p:sldLayoutId id="2147483662" r:id="rId2"/>
-    <p:sldLayoutId id="2147483663" r:id="rId3"/>
-    <p:sldLayoutId id="2147483664" r:id="rId4"/>
-    <p:sldLayoutId id="2147483665" r:id="rId5"/>
-    <p:sldLayoutId id="2147483666" r:id="rId6"/>
-    <p:sldLayoutId id="2147483667" r:id="rId7"/>
-    <p:sldLayoutId id="2147483668" r:id="rId8"/>
-    <p:sldLayoutId id="2147483669" r:id="rId9"/>
-    <p:sldLayoutId id="2147483670" r:id="rId10"/>
-    <p:sldLayoutId id="2147483671" r:id="rId11"/>
-    <p:sldLayoutId id="2147483672" r:id="rId12"/>
-    <p:sldLayoutId id="2147483673" r:id="rId13"/>
-    <p:sldLayoutId id="2147483674" r:id="rId14"/>
-    <p:sldLayoutId id="2147483675" r:id="rId15"/>
-    <p:sldLayoutId id="2147483676" r:id="rId16"/>
-    <p:sldLayoutId id="2147483677" r:id="rId17"/>
+    <p:sldLayoutId id="2147483697" r:id="rId1"/>
+    <p:sldLayoutId id="2147483698" r:id="rId2"/>
+    <p:sldLayoutId id="2147483699" r:id="rId3"/>
+    <p:sldLayoutId id="2147483700" r:id="rId4"/>
+    <p:sldLayoutId id="2147483701" r:id="rId5"/>
+    <p:sldLayoutId id="2147483702" r:id="rId6"/>
+    <p:sldLayoutId id="2147483703" r:id="rId7"/>
+    <p:sldLayoutId id="2147483704" r:id="rId8"/>
+    <p:sldLayoutId id="2147483705" r:id="rId9"/>
+    <p:sldLayoutId id="2147483706" r:id="rId10"/>
+    <p:sldLayoutId id="2147483707" r:id="rId11"/>
+    <p:sldLayoutId id="2147483708" r:id="rId12"/>
+    <p:sldLayoutId id="2147483709" r:id="rId13"/>
+    <p:sldLayoutId id="2147483710" r:id="rId14"/>
+    <p:sldLayoutId id="2147483711" r:id="rId15"/>
+    <p:sldLayoutId id="2147483712" r:id="rId16"/>
+    <p:sldLayoutId id="2147483713" r:id="rId17"/>
   </p:sldLayoutIdLst>
   <p:txStyles>
     <p:titleStyle>
@@ -5413,40 +5421,6 @@
 <file path=ppt/slides/slide2.xml><?xml version="1.0" encoding="utf-8"?>
 <p:sld xmlns:a="http://schemas.openxmlformats.org/drawingml/2006/main" xmlns:r="http://schemas.openxmlformats.org/officeDocument/2006/relationships" xmlns:p="http://schemas.openxmlformats.org/presentationml/2006/main">
   <p:cSld>
-    <p:bg>
-      <p:bgPr>
-        <a:gradFill>
-          <a:gsLst>
-            <a:gs pos="0">
-              <a:schemeClr val="accent1">
-                <a:lumMod val="5000"/>
-                <a:lumOff val="95000"/>
-              </a:schemeClr>
-            </a:gs>
-            <a:gs pos="74000">
-              <a:schemeClr val="accent1">
-                <a:lumMod val="45000"/>
-                <a:lumOff val="55000"/>
-              </a:schemeClr>
-            </a:gs>
-            <a:gs pos="83000">
-              <a:schemeClr val="accent1">
-                <a:lumMod val="45000"/>
-                <a:lumOff val="55000"/>
-              </a:schemeClr>
-            </a:gs>
-            <a:gs pos="100000">
-              <a:schemeClr val="accent1">
-                <a:lumMod val="30000"/>
-                <a:lumOff val="70000"/>
-              </a:schemeClr>
-            </a:gs>
-          </a:gsLst>
-          <a:lin ang="5400000" scaled="1"/>
-        </a:gradFill>
-        <a:effectLst/>
-      </p:bgPr>
-    </p:bg>
     <p:spTree>
       <p:nvGrpSpPr>
         <p:cNvPr id="1" name=""/>
@@ -6660,10 +6634,10 @@
       </p:sp>
       <p:cxnSp>
         <p:nvCxnSpPr>
-          <p:cNvPr id="68" name="连接符: 肘形 67">
+          <p:cNvPr id="3" name="连接符: 肘形 2">
             <a:extLst>
               <a:ext uri="{FF2B5EF4-FFF2-40B4-BE49-F238E27FC236}">
-                <a16:creationId xmlns:a16="http://schemas.microsoft.com/office/drawing/2014/main" id="{5659F7F4-523D-4926-928D-DDBB3700D101}"/>
+                <a16:creationId xmlns:a16="http://schemas.microsoft.com/office/drawing/2014/main" id="{D7313167-E388-484B-8EB9-F8DBA33707DC}"/>
               </a:ext>
             </a:extLst>
           </p:cNvPr>
@@ -6683,7 +6657,1450 @@
               <a:gd name="adj1" fmla="val -23241"/>
             </a:avLst>
           </a:prstGeom>
+          <a:ln w="38100">
+            <a:solidFill>
+              <a:srgbClr val="C00000">
+                <a:alpha val="60000"/>
+              </a:srgbClr>
+            </a:solidFill>
+            <a:tailEnd type="triangle"/>
+          </a:ln>
+        </p:spPr>
+        <p:style>
+          <a:lnRef idx="1">
+            <a:schemeClr val="accent1"/>
+          </a:lnRef>
+          <a:fillRef idx="0">
+            <a:schemeClr val="accent1"/>
+          </a:fillRef>
+          <a:effectRef idx="0">
+            <a:schemeClr val="accent1"/>
+          </a:effectRef>
+          <a:fontRef idx="minor">
+            <a:schemeClr val="tx1"/>
+          </a:fontRef>
+        </p:style>
+      </p:cxnSp>
+      <p:sp>
+        <p:nvSpPr>
+          <p:cNvPr id="19" name="文本框 18">
+            <a:extLst>
+              <a:ext uri="{FF2B5EF4-FFF2-40B4-BE49-F238E27FC236}">
+                <a16:creationId xmlns:a16="http://schemas.microsoft.com/office/drawing/2014/main" id="{0FF3F13A-8E7F-4C44-A3CE-7E7BC560E4D9}"/>
+              </a:ext>
+            </a:extLst>
+          </p:cNvPr>
+          <p:cNvSpPr txBox="1"/>
+          <p:nvPr/>
+        </p:nvSpPr>
+        <p:spPr>
+          <a:xfrm>
+            <a:off x="6251510" y="5316031"/>
+            <a:ext cx="2920482" cy="215444"/>
+          </a:xfrm>
+          <a:prstGeom prst="rect">
+            <a:avLst/>
+          </a:prstGeom>
+          <a:noFill/>
+        </p:spPr>
+        <p:txBody>
+          <a:bodyPr wrap="square" rtlCol="0">
+            <a:spAutoFit/>
+          </a:bodyPr>
+          <a:lstStyle/>
+          <a:p>
+            <a:r>
+              <a:rPr lang="zh-CN" altLang="en-US" sz="800" dirty="0"/>
+              <a:t>锁指向</a:t>
+            </a:r>
+            <a:r>
+              <a:rPr lang="en-US" altLang="zh-CN" sz="800" dirty="0"/>
+              <a:t>monitor</a:t>
+            </a:r>
+            <a:r>
+              <a:rPr lang="zh-CN" altLang="en-US" sz="800" dirty="0"/>
+              <a:t>对象，每个对象实例都会有一个</a:t>
+            </a:r>
+            <a:r>
+              <a:rPr lang="en-US" altLang="zh-CN" sz="800" dirty="0"/>
+              <a:t>monitor</a:t>
+            </a:r>
+            <a:r>
+              <a:rPr lang="zh-CN" altLang="en-US" sz="800" dirty="0"/>
+              <a:t>对象</a:t>
+            </a:r>
+          </a:p>
+        </p:txBody>
+      </p:sp>
+    </p:spTree>
+    <p:extLst>
+      <p:ext uri="{BB962C8B-B14F-4D97-AF65-F5344CB8AC3E}">
+        <p14:creationId xmlns:p14="http://schemas.microsoft.com/office/powerpoint/2010/main" val="1651574207"/>
+      </p:ext>
+    </p:extLst>
+  </p:cSld>
+  <p:clrMapOvr>
+    <a:masterClrMapping/>
+  </p:clrMapOvr>
+</p:sld>
+</file>
+
+<file path=ppt/slides/slide3.xml><?xml version="1.0" encoding="utf-8"?>
+<p:sld xmlns:a="http://schemas.openxmlformats.org/drawingml/2006/main" xmlns:r="http://schemas.openxmlformats.org/officeDocument/2006/relationships" xmlns:p="http://schemas.openxmlformats.org/presentationml/2006/main">
+  <p:cSld>
+    <p:spTree>
+      <p:nvGrpSpPr>
+        <p:cNvPr id="1" name=""/>
+        <p:cNvGrpSpPr/>
+        <p:nvPr/>
+      </p:nvGrpSpPr>
+      <p:grpSpPr>
+        <a:xfrm>
+          <a:off x="0" y="0"/>
+          <a:ext cx="0" cy="0"/>
+          <a:chOff x="0" y="0"/>
+          <a:chExt cx="0" cy="0"/>
+        </a:xfrm>
+      </p:grpSpPr>
+      <p:sp>
+        <p:nvSpPr>
+          <p:cNvPr id="2" name="标题 1">
+            <a:extLst>
+              <a:ext uri="{FF2B5EF4-FFF2-40B4-BE49-F238E27FC236}">
+                <a16:creationId xmlns:a16="http://schemas.microsoft.com/office/drawing/2014/main" id="{FE97C9C2-E316-4FFA-97EF-A010D40FF481}"/>
+              </a:ext>
+            </a:extLst>
+          </p:cNvPr>
+          <p:cNvSpPr>
+            <a:spLocks noGrp="1"/>
+          </p:cNvSpPr>
+          <p:nvPr>
+            <p:ph type="title"/>
+          </p:nvPr>
+        </p:nvSpPr>
+        <p:spPr/>
+        <p:txBody>
+          <a:bodyPr/>
+          <a:lstStyle/>
+          <a:p>
+            <a:r>
+              <a:rPr lang="zh-CN" altLang="en-US" dirty="0"/>
+              <a:t>线程状态流程</a:t>
+            </a:r>
+          </a:p>
+        </p:txBody>
+      </p:sp>
+      <p:sp>
+        <p:nvSpPr>
+          <p:cNvPr id="3" name="内容占位符 2">
+            <a:extLst>
+              <a:ext uri="{FF2B5EF4-FFF2-40B4-BE49-F238E27FC236}">
+                <a16:creationId xmlns:a16="http://schemas.microsoft.com/office/drawing/2014/main" id="{2F146299-C969-4D35-A588-53120C949E30}"/>
+              </a:ext>
+            </a:extLst>
+          </p:cNvPr>
+          <p:cNvSpPr>
+            <a:spLocks noGrp="1"/>
+          </p:cNvSpPr>
+          <p:nvPr>
+            <p:ph idx="1"/>
+          </p:nvPr>
+        </p:nvSpPr>
+        <p:spPr/>
+        <p:txBody>
+          <a:bodyPr/>
+          <a:lstStyle/>
+          <a:p>
+            <a:r>
+              <a:rPr lang="en-US" altLang="zh-CN" b="1" dirty="0"/>
+              <a:t>Contention List</a:t>
+            </a:r>
+            <a:r>
+              <a:rPr lang="zh-CN" altLang="en-US" dirty="0"/>
+              <a:t>：所有请求锁的线程将被首先放置到该竞争队列</a:t>
+            </a:r>
+          </a:p>
+          <a:p>
+            <a:r>
+              <a:rPr lang="en-US" altLang="zh-CN" b="1" dirty="0"/>
+              <a:t>Entry List</a:t>
+            </a:r>
+            <a:r>
+              <a:rPr lang="zh-CN" altLang="en-US" dirty="0"/>
+              <a:t>：</a:t>
+            </a:r>
+            <a:r>
+              <a:rPr lang="en-US" altLang="zh-CN" dirty="0"/>
+              <a:t>Contention List</a:t>
+            </a:r>
+            <a:r>
+              <a:rPr lang="zh-CN" altLang="en-US" dirty="0"/>
+              <a:t>中那些有资格成为候选人的线程被移到</a:t>
+            </a:r>
+            <a:r>
+              <a:rPr lang="en-US" altLang="zh-CN" dirty="0"/>
+              <a:t>Entry List</a:t>
+            </a:r>
+          </a:p>
+          <a:p>
+            <a:r>
+              <a:rPr lang="en-US" altLang="zh-CN" b="1" dirty="0"/>
+              <a:t>Wait Set</a:t>
+            </a:r>
+            <a:r>
+              <a:rPr lang="zh-CN" altLang="en-US" dirty="0"/>
+              <a:t>：那些调用</a:t>
+            </a:r>
+            <a:r>
+              <a:rPr lang="en-US" altLang="zh-CN" dirty="0"/>
+              <a:t>wait</a:t>
+            </a:r>
+            <a:r>
+              <a:rPr lang="zh-CN" altLang="en-US" dirty="0"/>
+              <a:t>方法被阻塞的线程被放置到</a:t>
+            </a:r>
+            <a:r>
+              <a:rPr lang="en-US" altLang="zh-CN" dirty="0"/>
+              <a:t>Wait Set</a:t>
+            </a:r>
+          </a:p>
+          <a:p>
+            <a:r>
+              <a:rPr lang="en-US" altLang="zh-CN" b="1" dirty="0" err="1"/>
+              <a:t>OnDeck</a:t>
+            </a:r>
+            <a:r>
+              <a:rPr lang="zh-CN" altLang="en-US" dirty="0"/>
+              <a:t>：任何时刻最多只能有一个线程正在竞争锁，该线程称为</a:t>
+            </a:r>
+            <a:r>
+              <a:rPr lang="en-US" altLang="zh-CN" dirty="0" err="1"/>
+              <a:t>OnDeck</a:t>
+            </a:r>
+            <a:endParaRPr lang="en-US" altLang="zh-CN" dirty="0"/>
+          </a:p>
+          <a:p>
+            <a:r>
+              <a:rPr lang="en-US" altLang="zh-CN" b="1" dirty="0"/>
+              <a:t>Owner</a:t>
+            </a:r>
+            <a:r>
+              <a:rPr lang="zh-CN" altLang="en-US" dirty="0"/>
+              <a:t>：获得锁的线程称为</a:t>
+            </a:r>
+            <a:r>
+              <a:rPr lang="en-US" altLang="zh-CN" dirty="0"/>
+              <a:t>Owner</a:t>
+            </a:r>
+          </a:p>
+          <a:p>
+            <a:r>
+              <a:rPr lang="en-US" altLang="zh-CN" b="1" dirty="0"/>
+              <a:t>!Owner</a:t>
+            </a:r>
+            <a:r>
+              <a:rPr lang="zh-CN" altLang="en-US" dirty="0"/>
+              <a:t>：释放锁的线程</a:t>
+            </a:r>
+          </a:p>
+        </p:txBody>
+      </p:sp>
+      <p:sp>
+        <p:nvSpPr>
+          <p:cNvPr id="4" name="文本框 3">
+            <a:extLst>
+              <a:ext uri="{FF2B5EF4-FFF2-40B4-BE49-F238E27FC236}">
+                <a16:creationId xmlns:a16="http://schemas.microsoft.com/office/drawing/2014/main" id="{2DBCCBA9-37E4-446D-867A-E81DF2E6C2C7}"/>
+              </a:ext>
+            </a:extLst>
+          </p:cNvPr>
+          <p:cNvSpPr txBox="1"/>
+          <p:nvPr/>
+        </p:nvSpPr>
+        <p:spPr>
+          <a:xfrm>
+            <a:off x="729842" y="285225"/>
+            <a:ext cx="8774886" cy="369332"/>
+          </a:xfrm>
+          <a:prstGeom prst="rect">
+            <a:avLst/>
+          </a:prstGeom>
+          <a:noFill/>
+        </p:spPr>
+        <p:txBody>
+          <a:bodyPr wrap="square" rtlCol="0">
+            <a:spAutoFit/>
+          </a:bodyPr>
+          <a:lstStyle/>
+          <a:p>
+            <a:r>
+              <a:rPr lang="zh-CN" altLang="en-US" dirty="0"/>
+              <a:t>当多个线程同时请求某个</a:t>
+            </a:r>
+            <a:r>
+              <a:rPr lang="en-US" altLang="zh-CN" dirty="0"/>
+              <a:t>monitor</a:t>
+            </a:r>
+            <a:r>
+              <a:rPr lang="zh-CN" altLang="en-US" dirty="0"/>
+              <a:t>时，</a:t>
+            </a:r>
+            <a:r>
+              <a:rPr lang="en-US" altLang="zh-CN" dirty="0"/>
+              <a:t>monitor</a:t>
+            </a:r>
+            <a:r>
+              <a:rPr lang="zh-CN" altLang="en-US" dirty="0"/>
+              <a:t>会设置几种状态用来区分请求的线程：</a:t>
+            </a:r>
+          </a:p>
+        </p:txBody>
+      </p:sp>
+    </p:spTree>
+    <p:extLst>
+      <p:ext uri="{BB962C8B-B14F-4D97-AF65-F5344CB8AC3E}">
+        <p14:creationId xmlns:p14="http://schemas.microsoft.com/office/powerpoint/2010/main" val="1572193815"/>
+      </p:ext>
+    </p:extLst>
+  </p:cSld>
+  <p:clrMapOvr>
+    <a:masterClrMapping/>
+  </p:clrMapOvr>
+</p:sld>
+</file>
+
+<file path=ppt/slides/slide4.xml><?xml version="1.0" encoding="utf-8"?>
+<p:sld xmlns:a="http://schemas.openxmlformats.org/drawingml/2006/main" xmlns:r="http://schemas.openxmlformats.org/officeDocument/2006/relationships" xmlns:p="http://schemas.openxmlformats.org/presentationml/2006/main">
+  <p:cSld>
+    <p:spTree>
+      <p:nvGrpSpPr>
+        <p:cNvPr id="1" name=""/>
+        <p:cNvGrpSpPr/>
+        <p:nvPr/>
+      </p:nvGrpSpPr>
+      <p:grpSpPr>
+        <a:xfrm>
+          <a:off x="0" y="0"/>
+          <a:ext cx="0" cy="0"/>
+          <a:chOff x="0" y="0"/>
+          <a:chExt cx="0" cy="0"/>
+        </a:xfrm>
+      </p:grpSpPr>
+      <p:sp>
+        <p:nvSpPr>
+          <p:cNvPr id="20" name="矩形: 圆角 19">
+            <a:extLst>
+              <a:ext uri="{FF2B5EF4-FFF2-40B4-BE49-F238E27FC236}">
+                <a16:creationId xmlns:a16="http://schemas.microsoft.com/office/drawing/2014/main" id="{5F12FE62-5824-4154-A13C-70AB16CD4023}"/>
+              </a:ext>
+            </a:extLst>
+          </p:cNvPr>
+          <p:cNvSpPr/>
+          <p:nvPr/>
+        </p:nvSpPr>
+        <p:spPr>
+          <a:xfrm>
+            <a:off x="1090568" y="1040746"/>
+            <a:ext cx="9051721" cy="4932727"/>
+          </a:xfrm>
+          <a:prstGeom prst="roundRect">
+            <a:avLst/>
+          </a:prstGeom>
+          <a:solidFill>
+            <a:schemeClr val="accent4">
+              <a:alpha val="50000"/>
+            </a:schemeClr>
+          </a:solidFill>
           <a:ln>
+            <a:noFill/>
+          </a:ln>
+        </p:spPr>
+        <p:style>
+          <a:lnRef idx="0">
+            <a:scrgbClr r="0" g="0" b="0"/>
+          </a:lnRef>
+          <a:fillRef idx="0">
+            <a:scrgbClr r="0" g="0" b="0"/>
+          </a:fillRef>
+          <a:effectRef idx="0">
+            <a:scrgbClr r="0" g="0" b="0"/>
+          </a:effectRef>
+          <a:fontRef idx="minor">
+            <a:schemeClr val="lt1"/>
+          </a:fontRef>
+        </p:style>
+        <p:txBody>
+          <a:bodyPr rot="0" spcFirstLastPara="0" vertOverflow="overflow" horzOverflow="overflow" vert="horz" wrap="square" lIns="91440" tIns="45720" rIns="91440" bIns="45720" numCol="1" spcCol="0" rtlCol="0" fromWordArt="0" anchor="ctr" anchorCtr="0" forceAA="0" compatLnSpc="1">
+            <a:prstTxWarp prst="textNoShape">
+              <a:avLst/>
+            </a:prstTxWarp>
+            <a:noAutofit/>
+          </a:bodyPr>
+          <a:lstStyle/>
+          <a:p>
+            <a:pPr algn="ctr"/>
+            <a:endParaRPr lang="zh-CN" altLang="en-US" dirty="0"/>
+          </a:p>
+        </p:txBody>
+      </p:sp>
+      <p:sp>
+        <p:nvSpPr>
+          <p:cNvPr id="13" name="矩形 12">
+            <a:extLst>
+              <a:ext uri="{FF2B5EF4-FFF2-40B4-BE49-F238E27FC236}">
+                <a16:creationId xmlns:a16="http://schemas.microsoft.com/office/drawing/2014/main" id="{6B06E382-C950-4A22-AAC9-D74CD2B47009}"/>
+              </a:ext>
+            </a:extLst>
+          </p:cNvPr>
+          <p:cNvSpPr/>
+          <p:nvPr/>
+        </p:nvSpPr>
+        <p:spPr>
+          <a:xfrm>
+            <a:off x="7038363" y="2433321"/>
+            <a:ext cx="2298584" cy="1325460"/>
+          </a:xfrm>
+          <a:prstGeom prst="rect">
+            <a:avLst/>
+          </a:prstGeom>
+          <a:solidFill>
+            <a:schemeClr val="bg2"/>
+          </a:solidFill>
+        </p:spPr>
+        <p:style>
+          <a:lnRef idx="2">
+            <a:schemeClr val="accent1">
+              <a:shade val="50000"/>
+            </a:schemeClr>
+          </a:lnRef>
+          <a:fillRef idx="1">
+            <a:schemeClr val="accent1"/>
+          </a:fillRef>
+          <a:effectRef idx="0">
+            <a:schemeClr val="accent1"/>
+          </a:effectRef>
+          <a:fontRef idx="minor">
+            <a:schemeClr val="lt1"/>
+          </a:fontRef>
+        </p:style>
+        <p:txBody>
+          <a:bodyPr rot="0" spcFirstLastPara="0" vertOverflow="overflow" horzOverflow="overflow" vert="horz" wrap="square" lIns="91440" tIns="45720" rIns="91440" bIns="45720" numCol="1" spcCol="0" rtlCol="0" fromWordArt="0" anchor="ctr" anchorCtr="0" forceAA="0" compatLnSpc="1">
+            <a:prstTxWarp prst="textNoShape">
+              <a:avLst/>
+            </a:prstTxWarp>
+            <a:noAutofit/>
+          </a:bodyPr>
+          <a:lstStyle/>
+          <a:p>
+            <a:pPr algn="ctr"/>
+            <a:endParaRPr lang="zh-CN" altLang="en-US" dirty="0"/>
+          </a:p>
+        </p:txBody>
+      </p:sp>
+      <p:sp>
+        <p:nvSpPr>
+          <p:cNvPr id="5" name="矩形 4">
+            <a:extLst>
+              <a:ext uri="{FF2B5EF4-FFF2-40B4-BE49-F238E27FC236}">
+                <a16:creationId xmlns:a16="http://schemas.microsoft.com/office/drawing/2014/main" id="{E46A6B92-50E9-47DF-AEFF-23142F8DF930}"/>
+              </a:ext>
+            </a:extLst>
+          </p:cNvPr>
+          <p:cNvSpPr/>
+          <p:nvPr/>
+        </p:nvSpPr>
+        <p:spPr>
+          <a:xfrm>
+            <a:off x="2072081" y="2433321"/>
+            <a:ext cx="4605556" cy="1325460"/>
+          </a:xfrm>
+          <a:prstGeom prst="rect">
+            <a:avLst/>
+          </a:prstGeom>
+          <a:solidFill>
+            <a:schemeClr val="bg2"/>
+          </a:solidFill>
+        </p:spPr>
+        <p:style>
+          <a:lnRef idx="2">
+            <a:schemeClr val="accent1">
+              <a:shade val="50000"/>
+            </a:schemeClr>
+          </a:lnRef>
+          <a:fillRef idx="1">
+            <a:schemeClr val="accent1"/>
+          </a:fillRef>
+          <a:effectRef idx="0">
+            <a:schemeClr val="accent1"/>
+          </a:effectRef>
+          <a:fontRef idx="minor">
+            <a:schemeClr val="lt1"/>
+          </a:fontRef>
+        </p:style>
+        <p:txBody>
+          <a:bodyPr rtlCol="0" anchor="ctr"/>
+          <a:lstStyle/>
+          <a:p>
+            <a:pPr algn="ctr"/>
+            <a:endParaRPr lang="zh-CN" altLang="en-US" dirty="0"/>
+          </a:p>
+        </p:txBody>
+      </p:sp>
+      <p:sp>
+        <p:nvSpPr>
+          <p:cNvPr id="2" name="矩形: 圆角 1">
+            <a:extLst>
+              <a:ext uri="{FF2B5EF4-FFF2-40B4-BE49-F238E27FC236}">
+                <a16:creationId xmlns:a16="http://schemas.microsoft.com/office/drawing/2014/main" id="{B69CDD31-EBA4-49D8-99DD-DA657F0E5FD8}"/>
+              </a:ext>
+            </a:extLst>
+          </p:cNvPr>
+          <p:cNvSpPr/>
+          <p:nvPr/>
+        </p:nvSpPr>
+        <p:spPr>
+          <a:xfrm>
+            <a:off x="2069281" y="1374211"/>
+            <a:ext cx="7250887" cy="696286"/>
+          </a:xfrm>
+          <a:prstGeom prst="roundRect">
+            <a:avLst/>
+          </a:prstGeom>
+          <a:solidFill>
+            <a:schemeClr val="accent2">
+              <a:lumMod val="75000"/>
+            </a:schemeClr>
+          </a:solidFill>
+        </p:spPr>
+        <p:style>
+          <a:lnRef idx="2">
+            <a:schemeClr val="accent1">
+              <a:shade val="50000"/>
+            </a:schemeClr>
+          </a:lnRef>
+          <a:fillRef idx="1">
+            <a:schemeClr val="accent1"/>
+          </a:fillRef>
+          <a:effectRef idx="0">
+            <a:schemeClr val="accent1"/>
+          </a:effectRef>
+          <a:fontRef idx="minor">
+            <a:schemeClr val="lt1"/>
+          </a:fontRef>
+        </p:style>
+        <p:txBody>
+          <a:bodyPr rtlCol="0" anchor="ctr"/>
+          <a:lstStyle/>
+          <a:p>
+            <a:pPr algn="ctr"/>
+            <a:r>
+              <a:rPr lang="en-US" altLang="zh-CN" dirty="0"/>
+              <a:t>Monitor</a:t>
+            </a:r>
+            <a:r>
+              <a:rPr lang="zh-CN" altLang="en-US" dirty="0"/>
+              <a:t>对象监视器</a:t>
+            </a:r>
+          </a:p>
+        </p:txBody>
+      </p:sp>
+      <p:sp>
+        <p:nvSpPr>
+          <p:cNvPr id="3" name="矩形 2">
+            <a:extLst>
+              <a:ext uri="{FF2B5EF4-FFF2-40B4-BE49-F238E27FC236}">
+                <a16:creationId xmlns:a16="http://schemas.microsoft.com/office/drawing/2014/main" id="{6D5E0045-21DD-4EC5-BD22-FCB45F2D2199}"/>
+              </a:ext>
+            </a:extLst>
+          </p:cNvPr>
+          <p:cNvSpPr/>
+          <p:nvPr/>
+        </p:nvSpPr>
+        <p:spPr>
+          <a:xfrm>
+            <a:off x="2211894" y="2894715"/>
+            <a:ext cx="1949045" cy="696286"/>
+          </a:xfrm>
+          <a:prstGeom prst="rect">
+            <a:avLst/>
+          </a:prstGeom>
+          <a:solidFill>
+            <a:schemeClr val="accent4">
+              <a:lumMod val="40000"/>
+              <a:lumOff val="60000"/>
+            </a:schemeClr>
+          </a:solidFill>
+        </p:spPr>
+        <p:style>
+          <a:lnRef idx="2">
+            <a:schemeClr val="accent1">
+              <a:shade val="50000"/>
+            </a:schemeClr>
+          </a:lnRef>
+          <a:fillRef idx="1">
+            <a:schemeClr val="accent1"/>
+          </a:fillRef>
+          <a:effectRef idx="0">
+            <a:schemeClr val="accent1"/>
+          </a:effectRef>
+          <a:fontRef idx="minor">
+            <a:schemeClr val="lt1"/>
+          </a:fontRef>
+        </p:style>
+        <p:txBody>
+          <a:bodyPr rtlCol="0" anchor="ctr"/>
+          <a:lstStyle/>
+          <a:p>
+            <a:pPr algn="ctr"/>
+            <a:r>
+              <a:rPr lang="en-US" altLang="zh-CN" dirty="0"/>
+              <a:t>Contention List</a:t>
+            </a:r>
+            <a:endParaRPr lang="zh-CN" altLang="en-US" dirty="0"/>
+          </a:p>
+        </p:txBody>
+      </p:sp>
+      <p:sp>
+        <p:nvSpPr>
+          <p:cNvPr id="4" name="矩形 3">
+            <a:extLst>
+              <a:ext uri="{FF2B5EF4-FFF2-40B4-BE49-F238E27FC236}">
+                <a16:creationId xmlns:a16="http://schemas.microsoft.com/office/drawing/2014/main" id="{B72664FD-1857-4693-BED3-25053D3C7D4C}"/>
+              </a:ext>
+            </a:extLst>
+          </p:cNvPr>
+          <p:cNvSpPr/>
+          <p:nvPr/>
+        </p:nvSpPr>
+        <p:spPr>
+          <a:xfrm>
+            <a:off x="4636311" y="2894715"/>
+            <a:ext cx="1949045" cy="696286"/>
+          </a:xfrm>
+          <a:prstGeom prst="rect">
+            <a:avLst/>
+          </a:prstGeom>
+          <a:solidFill>
+            <a:schemeClr val="accent6">
+              <a:lumMod val="40000"/>
+              <a:lumOff val="60000"/>
+            </a:schemeClr>
+          </a:solidFill>
+        </p:spPr>
+        <p:style>
+          <a:lnRef idx="2">
+            <a:schemeClr val="accent1">
+              <a:shade val="50000"/>
+            </a:schemeClr>
+          </a:lnRef>
+          <a:fillRef idx="1">
+            <a:schemeClr val="accent1"/>
+          </a:fillRef>
+          <a:effectRef idx="0">
+            <a:schemeClr val="accent1"/>
+          </a:effectRef>
+          <a:fontRef idx="minor">
+            <a:schemeClr val="lt1"/>
+          </a:fontRef>
+        </p:style>
+        <p:txBody>
+          <a:bodyPr rtlCol="0" anchor="ctr"/>
+          <a:lstStyle/>
+          <a:p>
+            <a:pPr algn="ctr"/>
+            <a:r>
+              <a:rPr lang="en-US" altLang="zh-CN" dirty="0"/>
+              <a:t>Entry List</a:t>
+            </a:r>
+            <a:endParaRPr lang="zh-CN" altLang="en-US" dirty="0"/>
+          </a:p>
+        </p:txBody>
+      </p:sp>
+      <p:sp>
+        <p:nvSpPr>
+          <p:cNvPr id="6" name="文本框 5">
+            <a:extLst>
+              <a:ext uri="{FF2B5EF4-FFF2-40B4-BE49-F238E27FC236}">
+                <a16:creationId xmlns:a16="http://schemas.microsoft.com/office/drawing/2014/main" id="{052AA866-E5DC-48CF-8B08-01445BDF09B2}"/>
+              </a:ext>
+            </a:extLst>
+          </p:cNvPr>
+          <p:cNvSpPr txBox="1"/>
+          <p:nvPr/>
+        </p:nvSpPr>
+        <p:spPr>
+          <a:xfrm>
+            <a:off x="3397541" y="2466876"/>
+            <a:ext cx="2223083" cy="369332"/>
+          </a:xfrm>
+          <a:prstGeom prst="rect">
+            <a:avLst/>
+          </a:prstGeom>
+          <a:noFill/>
+        </p:spPr>
+        <p:txBody>
+          <a:bodyPr wrap="square" rtlCol="0">
+            <a:spAutoFit/>
+          </a:bodyPr>
+          <a:lstStyle/>
+          <a:p>
+            <a:r>
+              <a:rPr lang="en-US" altLang="zh-CN" dirty="0"/>
+              <a:t>Waiting Queue</a:t>
+            </a:r>
+            <a:endParaRPr lang="zh-CN" altLang="en-US" dirty="0"/>
+          </a:p>
+        </p:txBody>
+      </p:sp>
+      <p:sp>
+        <p:nvSpPr>
+          <p:cNvPr id="7" name="矩形 6">
+            <a:extLst>
+              <a:ext uri="{FF2B5EF4-FFF2-40B4-BE49-F238E27FC236}">
+                <a16:creationId xmlns:a16="http://schemas.microsoft.com/office/drawing/2014/main" id="{9D155862-C154-4A7E-AEC2-D25DCAA963B8}"/>
+              </a:ext>
+            </a:extLst>
+          </p:cNvPr>
+          <p:cNvSpPr/>
+          <p:nvPr/>
+        </p:nvSpPr>
+        <p:spPr>
+          <a:xfrm>
+            <a:off x="2069281" y="4220175"/>
+            <a:ext cx="4605556" cy="1325460"/>
+          </a:xfrm>
+          <a:prstGeom prst="rect">
+            <a:avLst/>
+          </a:prstGeom>
+          <a:solidFill>
+            <a:schemeClr val="bg2"/>
+          </a:solidFill>
+        </p:spPr>
+        <p:style>
+          <a:lnRef idx="2">
+            <a:schemeClr val="accent1">
+              <a:shade val="50000"/>
+            </a:schemeClr>
+          </a:lnRef>
+          <a:fillRef idx="1">
+            <a:schemeClr val="accent1"/>
+          </a:fillRef>
+          <a:effectRef idx="0">
+            <a:schemeClr val="accent1"/>
+          </a:effectRef>
+          <a:fontRef idx="minor">
+            <a:schemeClr val="lt1"/>
+          </a:fontRef>
+        </p:style>
+        <p:txBody>
+          <a:bodyPr rtlCol="0" anchor="ctr"/>
+          <a:lstStyle/>
+          <a:p>
+            <a:pPr algn="ctr"/>
+            <a:endParaRPr lang="zh-CN" altLang="en-US" dirty="0"/>
+          </a:p>
+        </p:txBody>
+      </p:sp>
+      <p:sp>
+        <p:nvSpPr>
+          <p:cNvPr id="10" name="文本框 9">
+            <a:extLst>
+              <a:ext uri="{FF2B5EF4-FFF2-40B4-BE49-F238E27FC236}">
+                <a16:creationId xmlns:a16="http://schemas.microsoft.com/office/drawing/2014/main" id="{CF71992D-0C29-44D1-BFFF-30960291CC96}"/>
+              </a:ext>
+            </a:extLst>
+          </p:cNvPr>
+          <p:cNvSpPr txBox="1"/>
+          <p:nvPr/>
+        </p:nvSpPr>
+        <p:spPr>
+          <a:xfrm>
+            <a:off x="3394741" y="4253730"/>
+            <a:ext cx="2223083" cy="369332"/>
+          </a:xfrm>
+          <a:prstGeom prst="rect">
+            <a:avLst/>
+          </a:prstGeom>
+          <a:noFill/>
+        </p:spPr>
+        <p:txBody>
+          <a:bodyPr wrap="square" rtlCol="0">
+            <a:spAutoFit/>
+          </a:bodyPr>
+          <a:lstStyle/>
+          <a:p>
+            <a:r>
+              <a:rPr lang="en-US" altLang="zh-CN" dirty="0"/>
+              <a:t>Blocking Queue</a:t>
+            </a:r>
+            <a:endParaRPr lang="zh-CN" altLang="en-US" dirty="0"/>
+          </a:p>
+        </p:txBody>
+      </p:sp>
+      <p:sp>
+        <p:nvSpPr>
+          <p:cNvPr id="11" name="矩形: 圆角 10">
+            <a:extLst>
+              <a:ext uri="{FF2B5EF4-FFF2-40B4-BE49-F238E27FC236}">
+                <a16:creationId xmlns:a16="http://schemas.microsoft.com/office/drawing/2014/main" id="{D74C89BB-6CBC-40DB-B1B5-AAA6D6F79660}"/>
+              </a:ext>
+            </a:extLst>
+          </p:cNvPr>
+          <p:cNvSpPr/>
+          <p:nvPr/>
+        </p:nvSpPr>
+        <p:spPr>
+          <a:xfrm>
+            <a:off x="3028426" y="4799016"/>
+            <a:ext cx="2589398" cy="566258"/>
+          </a:xfrm>
+          <a:prstGeom prst="roundRect">
+            <a:avLst/>
+          </a:prstGeom>
+          <a:solidFill>
+            <a:schemeClr val="accent5"/>
+          </a:solidFill>
+        </p:spPr>
+        <p:style>
+          <a:lnRef idx="2">
+            <a:schemeClr val="accent1">
+              <a:shade val="50000"/>
+            </a:schemeClr>
+          </a:lnRef>
+          <a:fillRef idx="1">
+            <a:schemeClr val="accent1"/>
+          </a:fillRef>
+          <a:effectRef idx="0">
+            <a:schemeClr val="accent1"/>
+          </a:effectRef>
+          <a:fontRef idx="minor">
+            <a:schemeClr val="lt1"/>
+          </a:fontRef>
+        </p:style>
+        <p:txBody>
+          <a:bodyPr rtlCol="0" anchor="ctr"/>
+          <a:lstStyle/>
+          <a:p>
+            <a:pPr algn="ctr"/>
+            <a:r>
+              <a:rPr lang="en-US" altLang="zh-CN" dirty="0" err="1"/>
+              <a:t>WaitSet</a:t>
+            </a:r>
+            <a:endParaRPr lang="zh-CN" altLang="en-US" dirty="0"/>
+          </a:p>
+        </p:txBody>
+      </p:sp>
+      <p:sp>
+        <p:nvSpPr>
+          <p:cNvPr id="12" name="椭圆 11">
+            <a:extLst>
+              <a:ext uri="{FF2B5EF4-FFF2-40B4-BE49-F238E27FC236}">
+                <a16:creationId xmlns:a16="http://schemas.microsoft.com/office/drawing/2014/main" id="{2241E9D2-039A-45B6-8470-E8A632EC0F8E}"/>
+              </a:ext>
+            </a:extLst>
+          </p:cNvPr>
+          <p:cNvSpPr/>
+          <p:nvPr/>
+        </p:nvSpPr>
+        <p:spPr>
+          <a:xfrm>
+            <a:off x="7382311" y="2844489"/>
+            <a:ext cx="1619075" cy="796846"/>
+          </a:xfrm>
+          <a:prstGeom prst="ellipse">
+            <a:avLst/>
+          </a:prstGeom>
+          <a:solidFill>
+            <a:schemeClr val="accent4">
+              <a:lumMod val="75000"/>
+            </a:schemeClr>
+          </a:solidFill>
+        </p:spPr>
+        <p:style>
+          <a:lnRef idx="2">
+            <a:schemeClr val="accent1">
+              <a:shade val="50000"/>
+            </a:schemeClr>
+          </a:lnRef>
+          <a:fillRef idx="1">
+            <a:schemeClr val="accent1"/>
+          </a:fillRef>
+          <a:effectRef idx="0">
+            <a:schemeClr val="accent1"/>
+          </a:effectRef>
+          <a:fontRef idx="minor">
+            <a:schemeClr val="lt1"/>
+          </a:fontRef>
+        </p:style>
+        <p:txBody>
+          <a:bodyPr rot="0" spcFirstLastPara="0" vertOverflow="overflow" horzOverflow="overflow" vert="horz" wrap="square" lIns="91440" tIns="45720" rIns="91440" bIns="45720" numCol="1" spcCol="0" rtlCol="0" fromWordArt="0" anchor="ctr" anchorCtr="0" forceAA="0" compatLnSpc="1">
+            <a:prstTxWarp prst="textNoShape">
+              <a:avLst/>
+            </a:prstTxWarp>
+            <a:noAutofit/>
+          </a:bodyPr>
+          <a:lstStyle/>
+          <a:p>
+            <a:pPr algn="ctr"/>
+            <a:r>
+              <a:rPr lang="en-US" altLang="zh-CN" dirty="0" err="1"/>
+              <a:t>OnDeck</a:t>
+            </a:r>
+            <a:endParaRPr lang="zh-CN" altLang="en-US" dirty="0"/>
+          </a:p>
+        </p:txBody>
+      </p:sp>
+      <p:sp>
+        <p:nvSpPr>
+          <p:cNvPr id="14" name="文本框 13">
+            <a:extLst>
+              <a:ext uri="{FF2B5EF4-FFF2-40B4-BE49-F238E27FC236}">
+                <a16:creationId xmlns:a16="http://schemas.microsoft.com/office/drawing/2014/main" id="{FA4B006F-5011-416E-8710-F7AAFF96DD91}"/>
+              </a:ext>
+            </a:extLst>
+          </p:cNvPr>
+          <p:cNvSpPr txBox="1"/>
+          <p:nvPr/>
+        </p:nvSpPr>
+        <p:spPr>
+          <a:xfrm flipH="1">
+            <a:off x="7142805" y="2450206"/>
+            <a:ext cx="2110252" cy="369332"/>
+          </a:xfrm>
+          <a:prstGeom prst="rect">
+            <a:avLst/>
+          </a:prstGeom>
+          <a:noFill/>
+        </p:spPr>
+        <p:txBody>
+          <a:bodyPr wrap="square" rtlCol="0">
+            <a:spAutoFit/>
+          </a:bodyPr>
+          <a:lstStyle/>
+          <a:p>
+            <a:r>
+              <a:rPr lang="en-US" altLang="zh-CN" dirty="0"/>
+              <a:t>  Ready Thread</a:t>
+            </a:r>
+            <a:endParaRPr lang="zh-CN" altLang="en-US" dirty="0"/>
+          </a:p>
+        </p:txBody>
+      </p:sp>
+      <p:sp>
+        <p:nvSpPr>
+          <p:cNvPr id="15" name="矩形 14">
+            <a:extLst>
+              <a:ext uri="{FF2B5EF4-FFF2-40B4-BE49-F238E27FC236}">
+                <a16:creationId xmlns:a16="http://schemas.microsoft.com/office/drawing/2014/main" id="{DC99DD7E-1F82-445D-AD62-79432BDEA723}"/>
+              </a:ext>
+            </a:extLst>
+          </p:cNvPr>
+          <p:cNvSpPr/>
+          <p:nvPr/>
+        </p:nvSpPr>
+        <p:spPr>
+          <a:xfrm>
+            <a:off x="7038363" y="4220175"/>
+            <a:ext cx="2298584" cy="1325460"/>
+          </a:xfrm>
+          <a:prstGeom prst="rect">
+            <a:avLst/>
+          </a:prstGeom>
+          <a:solidFill>
+            <a:schemeClr val="bg2"/>
+          </a:solidFill>
+        </p:spPr>
+        <p:style>
+          <a:lnRef idx="2">
+            <a:schemeClr val="accent1">
+              <a:shade val="50000"/>
+            </a:schemeClr>
+          </a:lnRef>
+          <a:fillRef idx="1">
+            <a:schemeClr val="accent1"/>
+          </a:fillRef>
+          <a:effectRef idx="0">
+            <a:schemeClr val="accent1"/>
+          </a:effectRef>
+          <a:fontRef idx="minor">
+            <a:schemeClr val="lt1"/>
+          </a:fontRef>
+        </p:style>
+        <p:txBody>
+          <a:bodyPr rot="0" spcFirstLastPara="0" vertOverflow="overflow" horzOverflow="overflow" vert="horz" wrap="square" lIns="91440" tIns="45720" rIns="91440" bIns="45720" numCol="1" spcCol="0" rtlCol="0" fromWordArt="0" anchor="ctr" anchorCtr="0" forceAA="0" compatLnSpc="1">
+            <a:prstTxWarp prst="textNoShape">
+              <a:avLst/>
+            </a:prstTxWarp>
+            <a:noAutofit/>
+          </a:bodyPr>
+          <a:lstStyle/>
+          <a:p>
+            <a:pPr algn="ctr"/>
+            <a:endParaRPr lang="zh-CN" altLang="en-US" dirty="0"/>
+          </a:p>
+        </p:txBody>
+      </p:sp>
+      <p:sp>
+        <p:nvSpPr>
+          <p:cNvPr id="16" name="椭圆 15">
+            <a:extLst>
+              <a:ext uri="{FF2B5EF4-FFF2-40B4-BE49-F238E27FC236}">
+                <a16:creationId xmlns:a16="http://schemas.microsoft.com/office/drawing/2014/main" id="{6AD7957C-E41F-47B6-98A5-A11CBBD27803}"/>
+              </a:ext>
+            </a:extLst>
+          </p:cNvPr>
+          <p:cNvSpPr/>
+          <p:nvPr/>
+        </p:nvSpPr>
+        <p:spPr>
+          <a:xfrm>
+            <a:off x="7382311" y="4631343"/>
+            <a:ext cx="1619075" cy="796846"/>
+          </a:xfrm>
+          <a:prstGeom prst="ellipse">
+            <a:avLst/>
+          </a:prstGeom>
+          <a:gradFill flip="none" rotWithShape="1">
+            <a:gsLst>
+              <a:gs pos="0">
+                <a:schemeClr val="accent4">
+                  <a:lumMod val="67000"/>
+                </a:schemeClr>
+              </a:gs>
+              <a:gs pos="48000">
+                <a:schemeClr val="accent4">
+                  <a:lumMod val="97000"/>
+                  <a:lumOff val="3000"/>
+                </a:schemeClr>
+              </a:gs>
+              <a:gs pos="100000">
+                <a:schemeClr val="accent4">
+                  <a:lumMod val="60000"/>
+                  <a:lumOff val="40000"/>
+                </a:schemeClr>
+              </a:gs>
+            </a:gsLst>
+            <a:lin ang="16200000" scaled="1"/>
+            <a:tileRect/>
+          </a:gradFill>
+          <a:ln>
+            <a:noFill/>
+          </a:ln>
+        </p:spPr>
+        <p:style>
+          <a:lnRef idx="0">
+            <a:scrgbClr r="0" g="0" b="0"/>
+          </a:lnRef>
+          <a:fillRef idx="0">
+            <a:scrgbClr r="0" g="0" b="0"/>
+          </a:fillRef>
+          <a:effectRef idx="0">
+            <a:scrgbClr r="0" g="0" b="0"/>
+          </a:effectRef>
+          <a:fontRef idx="minor">
+            <a:schemeClr val="lt1"/>
+          </a:fontRef>
+        </p:style>
+        <p:txBody>
+          <a:bodyPr rot="0" spcFirstLastPara="0" vertOverflow="overflow" horzOverflow="overflow" vert="horz" wrap="square" lIns="91440" tIns="45720" rIns="91440" bIns="45720" numCol="1" spcCol="0" rtlCol="0" fromWordArt="0" anchor="ctr" anchorCtr="0" forceAA="0" compatLnSpc="1">
+            <a:prstTxWarp prst="textNoShape">
+              <a:avLst/>
+            </a:prstTxWarp>
+            <a:noAutofit/>
+          </a:bodyPr>
+          <a:lstStyle/>
+          <a:p>
+            <a:pPr algn="ctr"/>
+            <a:r>
+              <a:rPr lang="en-US" altLang="zh-CN" dirty="0"/>
+              <a:t>Owner</a:t>
+            </a:r>
+            <a:endParaRPr lang="zh-CN" altLang="en-US" dirty="0"/>
+          </a:p>
+        </p:txBody>
+      </p:sp>
+      <p:sp>
+        <p:nvSpPr>
+          <p:cNvPr id="17" name="文本框 16">
+            <a:extLst>
+              <a:ext uri="{FF2B5EF4-FFF2-40B4-BE49-F238E27FC236}">
+                <a16:creationId xmlns:a16="http://schemas.microsoft.com/office/drawing/2014/main" id="{2F572E2D-7D51-4C00-BFFC-A59C99605828}"/>
+              </a:ext>
+            </a:extLst>
+          </p:cNvPr>
+          <p:cNvSpPr txBox="1"/>
+          <p:nvPr/>
+        </p:nvSpPr>
+        <p:spPr>
+          <a:xfrm flipH="1">
+            <a:off x="7142805" y="4237060"/>
+            <a:ext cx="2110252" cy="369332"/>
+          </a:xfrm>
+          <a:prstGeom prst="rect">
+            <a:avLst/>
+          </a:prstGeom>
+          <a:noFill/>
+        </p:spPr>
+        <p:txBody>
+          <a:bodyPr wrap="square" rtlCol="0">
+            <a:spAutoFit/>
+          </a:bodyPr>
+          <a:lstStyle/>
+          <a:p>
+            <a:r>
+              <a:rPr lang="en-US" altLang="zh-CN" dirty="0"/>
+              <a:t>  Reading Thread</a:t>
+            </a:r>
+            <a:endParaRPr lang="zh-CN" altLang="en-US" dirty="0"/>
+          </a:p>
+        </p:txBody>
+      </p:sp>
+      <p:cxnSp>
+        <p:nvCxnSpPr>
+          <p:cNvPr id="24" name="直接箭头连接符 23">
+            <a:extLst>
+              <a:ext uri="{FF2B5EF4-FFF2-40B4-BE49-F238E27FC236}">
+                <a16:creationId xmlns:a16="http://schemas.microsoft.com/office/drawing/2014/main" id="{D930A97B-21FB-49A5-A51C-5685F5941F18}"/>
+              </a:ext>
+            </a:extLst>
+          </p:cNvPr>
+          <p:cNvCxnSpPr/>
+          <p:nvPr/>
+        </p:nvCxnSpPr>
+        <p:spPr>
+          <a:xfrm flipH="1" flipV="1">
+            <a:off x="1761688" y="2819538"/>
+            <a:ext cx="307593" cy="276513"/>
+          </a:xfrm>
+          <a:prstGeom prst="straightConnector1">
+            <a:avLst/>
+          </a:prstGeom>
+          <a:ln>
+            <a:tailEnd type="triangle"/>
+          </a:ln>
+        </p:spPr>
+        <p:style>
+          <a:lnRef idx="1">
+            <a:schemeClr val="accent1"/>
+          </a:lnRef>
+          <a:fillRef idx="0">
+            <a:schemeClr val="accent1"/>
+          </a:fillRef>
+          <a:effectRef idx="0">
+            <a:schemeClr val="accent1"/>
+          </a:effectRef>
+          <a:fontRef idx="minor">
+            <a:schemeClr val="tx1"/>
+          </a:fontRef>
+        </p:style>
+      </p:cxnSp>
+      <p:cxnSp>
+        <p:nvCxnSpPr>
+          <p:cNvPr id="31" name="直接箭头连接符 30">
+            <a:extLst>
+              <a:ext uri="{FF2B5EF4-FFF2-40B4-BE49-F238E27FC236}">
+                <a16:creationId xmlns:a16="http://schemas.microsoft.com/office/drawing/2014/main" id="{620CE988-5D98-4FB5-B1E4-45D112A9558D}"/>
+              </a:ext>
+            </a:extLst>
+          </p:cNvPr>
+          <p:cNvCxnSpPr>
+            <a:cxnSpLocks/>
+            <a:endCxn id="5" idx="1"/>
+          </p:cNvCxnSpPr>
+          <p:nvPr/>
+        </p:nvCxnSpPr>
+        <p:spPr>
+          <a:xfrm>
+            <a:off x="1359017" y="2819538"/>
+            <a:ext cx="713064" cy="276513"/>
+          </a:xfrm>
+          <a:prstGeom prst="straightConnector1">
+            <a:avLst/>
+          </a:prstGeom>
+          <a:ln w="12700">
+            <a:solidFill>
+              <a:schemeClr val="bg1">
+                <a:alpha val="60000"/>
+              </a:schemeClr>
+            </a:solidFill>
+            <a:tailEnd type="triangle"/>
+          </a:ln>
+        </p:spPr>
+        <p:style>
+          <a:lnRef idx="1">
+            <a:schemeClr val="accent1"/>
+          </a:lnRef>
+          <a:fillRef idx="0">
+            <a:schemeClr val="accent1"/>
+          </a:fillRef>
+          <a:effectRef idx="0">
+            <a:schemeClr val="accent1"/>
+          </a:effectRef>
+          <a:fontRef idx="minor">
+            <a:schemeClr val="tx1"/>
+          </a:fontRef>
+        </p:style>
+      </p:cxnSp>
+      <p:cxnSp>
+        <p:nvCxnSpPr>
+          <p:cNvPr id="33" name="直接箭头连接符 32">
+            <a:extLst>
+              <a:ext uri="{FF2B5EF4-FFF2-40B4-BE49-F238E27FC236}">
+                <a16:creationId xmlns:a16="http://schemas.microsoft.com/office/drawing/2014/main" id="{3C79900F-D895-4A12-9D36-446A91F4BB2F}"/>
+              </a:ext>
+            </a:extLst>
+          </p:cNvPr>
+          <p:cNvCxnSpPr>
+            <a:cxnSpLocks/>
+          </p:cNvCxnSpPr>
+          <p:nvPr/>
+        </p:nvCxnSpPr>
+        <p:spPr>
+          <a:xfrm flipV="1">
+            <a:off x="1369854" y="3169454"/>
+            <a:ext cx="708170" cy="146807"/>
+          </a:xfrm>
+          <a:prstGeom prst="straightConnector1">
+            <a:avLst/>
+          </a:prstGeom>
+          <a:ln w="12700">
+            <a:solidFill>
+              <a:schemeClr val="bg1">
+                <a:alpha val="60000"/>
+              </a:schemeClr>
+            </a:solidFill>
+            <a:tailEnd type="triangle"/>
+          </a:ln>
+        </p:spPr>
+        <p:style>
+          <a:lnRef idx="1">
+            <a:schemeClr val="accent1"/>
+          </a:lnRef>
+          <a:fillRef idx="0">
+            <a:schemeClr val="accent1"/>
+          </a:fillRef>
+          <a:effectRef idx="0">
+            <a:schemeClr val="accent1"/>
+          </a:effectRef>
+          <a:fontRef idx="minor">
+            <a:schemeClr val="tx1"/>
+          </a:fontRef>
+        </p:style>
+      </p:cxnSp>
+      <p:cxnSp>
+        <p:nvCxnSpPr>
+          <p:cNvPr id="40" name="直接箭头连接符 39">
+            <a:extLst>
+              <a:ext uri="{FF2B5EF4-FFF2-40B4-BE49-F238E27FC236}">
+                <a16:creationId xmlns:a16="http://schemas.microsoft.com/office/drawing/2014/main" id="{F36AD135-FC63-4732-A504-93DF01FE24ED}"/>
+              </a:ext>
+            </a:extLst>
+          </p:cNvPr>
+          <p:cNvCxnSpPr>
+            <a:cxnSpLocks/>
+          </p:cNvCxnSpPr>
+          <p:nvPr/>
+        </p:nvCxnSpPr>
+        <p:spPr>
+          <a:xfrm>
+            <a:off x="4160939" y="3242857"/>
+            <a:ext cx="475372" cy="0"/>
+          </a:xfrm>
+          <a:prstGeom prst="straightConnector1">
+            <a:avLst/>
+          </a:prstGeom>
+          <a:ln w="12700">
+            <a:solidFill>
+              <a:schemeClr val="bg1">
+                <a:alpha val="60000"/>
+              </a:schemeClr>
+            </a:solidFill>
+            <a:tailEnd type="triangle"/>
+          </a:ln>
+        </p:spPr>
+        <p:style>
+          <a:lnRef idx="1">
+            <a:schemeClr val="accent1"/>
+          </a:lnRef>
+          <a:fillRef idx="0">
+            <a:schemeClr val="accent1"/>
+          </a:fillRef>
+          <a:effectRef idx="0">
+            <a:schemeClr val="accent1"/>
+          </a:effectRef>
+          <a:fontRef idx="minor">
+            <a:schemeClr val="tx1"/>
+          </a:fontRef>
+        </p:style>
+      </p:cxnSp>
+      <p:cxnSp>
+        <p:nvCxnSpPr>
+          <p:cNvPr id="42" name="直接箭头连接符 41">
+            <a:extLst>
+              <a:ext uri="{FF2B5EF4-FFF2-40B4-BE49-F238E27FC236}">
+                <a16:creationId xmlns:a16="http://schemas.microsoft.com/office/drawing/2014/main" id="{EEC62AB4-6A5C-48C9-9BF2-322C8D615B38}"/>
+              </a:ext>
+            </a:extLst>
+          </p:cNvPr>
+          <p:cNvCxnSpPr>
+            <a:cxnSpLocks/>
+          </p:cNvCxnSpPr>
+          <p:nvPr/>
+        </p:nvCxnSpPr>
+        <p:spPr>
+          <a:xfrm>
+            <a:off x="6677637" y="3221886"/>
+            <a:ext cx="360726" cy="0"/>
+          </a:xfrm>
+          <a:prstGeom prst="straightConnector1">
+            <a:avLst/>
+          </a:prstGeom>
+          <a:ln w="12700">
+            <a:solidFill>
+              <a:schemeClr val="bg1">
+                <a:alpha val="60000"/>
+              </a:schemeClr>
+            </a:solidFill>
+            <a:tailEnd type="triangle"/>
+          </a:ln>
+        </p:spPr>
+        <p:style>
+          <a:lnRef idx="1">
+            <a:schemeClr val="accent1"/>
+          </a:lnRef>
+          <a:fillRef idx="0">
+            <a:schemeClr val="accent1"/>
+          </a:fillRef>
+          <a:effectRef idx="0">
+            <a:schemeClr val="accent1"/>
+          </a:effectRef>
+          <a:fontRef idx="minor">
+            <a:schemeClr val="tx1"/>
+          </a:fontRef>
+        </p:style>
+      </p:cxnSp>
+      <p:cxnSp>
+        <p:nvCxnSpPr>
+          <p:cNvPr id="44" name="直接箭头连接符 43">
+            <a:extLst>
+              <a:ext uri="{FF2B5EF4-FFF2-40B4-BE49-F238E27FC236}">
+                <a16:creationId xmlns:a16="http://schemas.microsoft.com/office/drawing/2014/main" id="{FC7BEA68-2365-4BD7-B306-E8E77D5A8E79}"/>
+              </a:ext>
+            </a:extLst>
+          </p:cNvPr>
+          <p:cNvCxnSpPr>
+            <a:stCxn id="13" idx="2"/>
+            <a:endCxn id="15" idx="0"/>
+          </p:cNvCxnSpPr>
+          <p:nvPr/>
+        </p:nvCxnSpPr>
+        <p:spPr>
+          <a:xfrm>
+            <a:off x="8187655" y="3758781"/>
+            <a:ext cx="0" cy="461394"/>
+          </a:xfrm>
+          <a:prstGeom prst="straightConnector1">
+            <a:avLst/>
+          </a:prstGeom>
+          <a:ln w="12700">
+            <a:solidFill>
+              <a:schemeClr val="bg1">
+                <a:alpha val="60000"/>
+              </a:schemeClr>
+            </a:solidFill>
+            <a:tailEnd type="triangle"/>
+          </a:ln>
+        </p:spPr>
+        <p:style>
+          <a:lnRef idx="1">
+            <a:schemeClr val="accent1"/>
+          </a:lnRef>
+          <a:fillRef idx="0">
+            <a:schemeClr val="accent1"/>
+          </a:fillRef>
+          <a:effectRef idx="0">
+            <a:schemeClr val="accent1"/>
+          </a:effectRef>
+          <a:fontRef idx="minor">
+            <a:schemeClr val="tx1"/>
+          </a:fontRef>
+        </p:style>
+      </p:cxnSp>
+      <p:cxnSp>
+        <p:nvCxnSpPr>
+          <p:cNvPr id="47" name="直接箭头连接符 46">
+            <a:extLst>
+              <a:ext uri="{FF2B5EF4-FFF2-40B4-BE49-F238E27FC236}">
+                <a16:creationId xmlns:a16="http://schemas.microsoft.com/office/drawing/2014/main" id="{5AB3BBA9-1231-4DD7-AB8A-FC89754ED6AC}"/>
+              </a:ext>
+            </a:extLst>
+          </p:cNvPr>
+          <p:cNvCxnSpPr>
+            <a:cxnSpLocks/>
+          </p:cNvCxnSpPr>
+          <p:nvPr/>
+        </p:nvCxnSpPr>
+        <p:spPr>
+          <a:xfrm flipH="1">
+            <a:off x="6674837" y="5025518"/>
+            <a:ext cx="363526" cy="0"/>
+          </a:xfrm>
+          <a:prstGeom prst="straightConnector1">
+            <a:avLst/>
+          </a:prstGeom>
+          <a:ln w="12700">
+            <a:solidFill>
+              <a:schemeClr val="bg1">
+                <a:alpha val="60000"/>
+              </a:schemeClr>
+            </a:solidFill>
+            <a:tailEnd type="triangle"/>
+          </a:ln>
+        </p:spPr>
+        <p:style>
+          <a:lnRef idx="1">
+            <a:schemeClr val="accent1"/>
+          </a:lnRef>
+          <a:fillRef idx="0">
+            <a:schemeClr val="accent1"/>
+          </a:fillRef>
+          <a:effectRef idx="0">
+            <a:schemeClr val="accent1"/>
+          </a:effectRef>
+          <a:fontRef idx="minor">
+            <a:schemeClr val="tx1"/>
+          </a:fontRef>
+        </p:style>
+      </p:cxnSp>
+      <p:cxnSp>
+        <p:nvCxnSpPr>
+          <p:cNvPr id="49" name="直接箭头连接符 48">
+            <a:extLst>
+              <a:ext uri="{FF2B5EF4-FFF2-40B4-BE49-F238E27FC236}">
+                <a16:creationId xmlns:a16="http://schemas.microsoft.com/office/drawing/2014/main" id="{DBFF276D-A5EE-48D4-8411-F1BE392563AE}"/>
+              </a:ext>
+            </a:extLst>
+          </p:cNvPr>
+          <p:cNvCxnSpPr>
+            <a:stCxn id="7" idx="0"/>
+            <a:endCxn id="4" idx="2"/>
+          </p:cNvCxnSpPr>
+          <p:nvPr/>
+        </p:nvCxnSpPr>
+        <p:spPr>
+          <a:xfrm flipV="1">
+            <a:off x="4372059" y="3591001"/>
+            <a:ext cx="1238775" cy="629174"/>
+          </a:xfrm>
+          <a:prstGeom prst="straightConnector1">
+            <a:avLst/>
+          </a:prstGeom>
+          <a:ln w="12700">
+            <a:solidFill>
+              <a:schemeClr val="bg1">
+                <a:alpha val="60000"/>
+              </a:schemeClr>
+            </a:solidFill>
             <a:tailEnd type="triangle"/>
           </a:ln>
         </p:spPr>
@@ -6705,7 +8122,456 @@
     </p:spTree>
     <p:extLst>
       <p:ext uri="{BB962C8B-B14F-4D97-AF65-F5344CB8AC3E}">
-        <p14:creationId xmlns:p14="http://schemas.microsoft.com/office/powerpoint/2010/main" val="1651574207"/>
+        <p14:creationId xmlns:p14="http://schemas.microsoft.com/office/powerpoint/2010/main" val="1124482757"/>
+      </p:ext>
+    </p:extLst>
+  </p:cSld>
+  <p:clrMapOvr>
+    <a:masterClrMapping/>
+  </p:clrMapOvr>
+</p:sld>
+</file>
+
+<file path=ppt/slides/slide5.xml><?xml version="1.0" encoding="utf-8"?>
+<p:sld xmlns:a="http://schemas.openxmlformats.org/drawingml/2006/main" xmlns:r="http://schemas.openxmlformats.org/officeDocument/2006/relationships" xmlns:p="http://schemas.openxmlformats.org/presentationml/2006/main">
+  <p:cSld>
+    <p:spTree>
+      <p:nvGrpSpPr>
+        <p:cNvPr id="1" name=""/>
+        <p:cNvGrpSpPr/>
+        <p:nvPr/>
+      </p:nvGrpSpPr>
+      <p:grpSpPr>
+        <a:xfrm>
+          <a:off x="0" y="0"/>
+          <a:ext cx="0" cy="0"/>
+          <a:chOff x="0" y="0"/>
+          <a:chExt cx="0" cy="0"/>
+        </a:xfrm>
+      </p:grpSpPr>
+      <p:sp>
+        <p:nvSpPr>
+          <p:cNvPr id="2" name="标题 1">
+            <a:extLst>
+              <a:ext uri="{FF2B5EF4-FFF2-40B4-BE49-F238E27FC236}">
+                <a16:creationId xmlns:a16="http://schemas.microsoft.com/office/drawing/2014/main" id="{4C18BB79-8924-4DCF-A036-66094CEFB6D2}"/>
+              </a:ext>
+            </a:extLst>
+          </p:cNvPr>
+          <p:cNvSpPr>
+            <a:spLocks noGrp="1"/>
+          </p:cNvSpPr>
+          <p:nvPr>
+            <p:ph type="title"/>
+          </p:nvPr>
+        </p:nvSpPr>
+        <p:spPr/>
+        <p:txBody>
+          <a:bodyPr/>
+          <a:lstStyle/>
+          <a:p>
+            <a:r>
+              <a:rPr lang="en-US" altLang="zh-CN" dirty="0"/>
+              <a:t>SYNCHRONIZED</a:t>
+            </a:r>
+            <a:r>
+              <a:rPr lang="zh-CN" altLang="en-US" dirty="0"/>
+              <a:t>锁升级</a:t>
+            </a:r>
+          </a:p>
+        </p:txBody>
+      </p:sp>
+      <p:sp>
+        <p:nvSpPr>
+          <p:cNvPr id="3" name="内容占位符 2">
+            <a:extLst>
+              <a:ext uri="{FF2B5EF4-FFF2-40B4-BE49-F238E27FC236}">
+                <a16:creationId xmlns:a16="http://schemas.microsoft.com/office/drawing/2014/main" id="{B3F07FDD-087C-4400-9E6A-D02CD1142C89}"/>
+              </a:ext>
+            </a:extLst>
+          </p:cNvPr>
+          <p:cNvSpPr>
+            <a:spLocks noGrp="1"/>
+          </p:cNvSpPr>
+          <p:nvPr>
+            <p:ph idx="1"/>
+          </p:nvPr>
+        </p:nvSpPr>
+        <p:spPr/>
+        <p:txBody>
+          <a:bodyPr/>
+          <a:lstStyle/>
+          <a:p>
+            <a:endParaRPr lang="zh-CN" altLang="en-US" dirty="0"/>
+          </a:p>
+        </p:txBody>
+      </p:sp>
+      <p:sp>
+        <p:nvSpPr>
+          <p:cNvPr id="4" name="矩形: 圆角 3">
+            <a:extLst>
+              <a:ext uri="{FF2B5EF4-FFF2-40B4-BE49-F238E27FC236}">
+                <a16:creationId xmlns:a16="http://schemas.microsoft.com/office/drawing/2014/main" id="{70F817AF-8214-4A32-8444-D3B78958AE24}"/>
+              </a:ext>
+            </a:extLst>
+          </p:cNvPr>
+          <p:cNvSpPr/>
+          <p:nvPr/>
+        </p:nvSpPr>
+        <p:spPr>
+          <a:xfrm>
+            <a:off x="4173764" y="1063690"/>
+            <a:ext cx="1259633" cy="485192"/>
+          </a:xfrm>
+          <a:prstGeom prst="roundRect">
+            <a:avLst/>
+          </a:prstGeom>
+          <a:solidFill>
+            <a:schemeClr val="accent1">
+              <a:lumMod val="40000"/>
+              <a:lumOff val="60000"/>
+            </a:schemeClr>
+          </a:solidFill>
+        </p:spPr>
+        <p:style>
+          <a:lnRef idx="2">
+            <a:schemeClr val="accent1">
+              <a:shade val="50000"/>
+            </a:schemeClr>
+          </a:lnRef>
+          <a:fillRef idx="1">
+            <a:schemeClr val="accent1"/>
+          </a:fillRef>
+          <a:effectRef idx="0">
+            <a:schemeClr val="accent1"/>
+          </a:effectRef>
+          <a:fontRef idx="minor">
+            <a:schemeClr val="lt1"/>
+          </a:fontRef>
+        </p:style>
+        <p:txBody>
+          <a:bodyPr rtlCol="0" anchor="ctr"/>
+          <a:lstStyle/>
+          <a:p>
+            <a:pPr algn="ctr"/>
+            <a:r>
+              <a:rPr lang="zh-CN" altLang="en-US" dirty="0"/>
+              <a:t>偏向锁</a:t>
+            </a:r>
+          </a:p>
+        </p:txBody>
+      </p:sp>
+      <p:sp>
+        <p:nvSpPr>
+          <p:cNvPr id="5" name="矩形: 圆角 4">
+            <a:extLst>
+              <a:ext uri="{FF2B5EF4-FFF2-40B4-BE49-F238E27FC236}">
+                <a16:creationId xmlns:a16="http://schemas.microsoft.com/office/drawing/2014/main" id="{ACC418A0-9F0C-483B-9ABB-4F5EC59702D3}"/>
+              </a:ext>
+            </a:extLst>
+          </p:cNvPr>
+          <p:cNvSpPr/>
+          <p:nvPr/>
+        </p:nvSpPr>
+        <p:spPr>
+          <a:xfrm>
+            <a:off x="4180114" y="1926772"/>
+            <a:ext cx="1259633" cy="485192"/>
+          </a:xfrm>
+          <a:prstGeom prst="roundRect">
+            <a:avLst/>
+          </a:prstGeom>
+          <a:solidFill>
+            <a:schemeClr val="accent1">
+              <a:lumMod val="60000"/>
+              <a:lumOff val="40000"/>
+            </a:schemeClr>
+          </a:solidFill>
+        </p:spPr>
+        <p:style>
+          <a:lnRef idx="2">
+            <a:schemeClr val="accent1">
+              <a:shade val="50000"/>
+            </a:schemeClr>
+          </a:lnRef>
+          <a:fillRef idx="1">
+            <a:schemeClr val="accent1"/>
+          </a:fillRef>
+          <a:effectRef idx="0">
+            <a:schemeClr val="accent1"/>
+          </a:effectRef>
+          <a:fontRef idx="minor">
+            <a:schemeClr val="lt1"/>
+          </a:fontRef>
+        </p:style>
+        <p:txBody>
+          <a:bodyPr rtlCol="0" anchor="ctr"/>
+          <a:lstStyle/>
+          <a:p>
+            <a:pPr algn="ctr"/>
+            <a:r>
+              <a:rPr lang="zh-CN" altLang="en-US" dirty="0"/>
+              <a:t>轻量级锁</a:t>
+            </a:r>
+          </a:p>
+        </p:txBody>
+      </p:sp>
+      <p:sp>
+        <p:nvSpPr>
+          <p:cNvPr id="6" name="矩形: 圆角 5">
+            <a:extLst>
+              <a:ext uri="{FF2B5EF4-FFF2-40B4-BE49-F238E27FC236}">
+                <a16:creationId xmlns:a16="http://schemas.microsoft.com/office/drawing/2014/main" id="{8D5B2CDC-D35C-4801-B828-FAC97DDE1887}"/>
+              </a:ext>
+            </a:extLst>
+          </p:cNvPr>
+          <p:cNvSpPr/>
+          <p:nvPr/>
+        </p:nvSpPr>
+        <p:spPr>
+          <a:xfrm>
+            <a:off x="4180113" y="2871323"/>
+            <a:ext cx="1259633" cy="485192"/>
+          </a:xfrm>
+          <a:prstGeom prst="roundRect">
+            <a:avLst/>
+          </a:prstGeom>
+          <a:solidFill>
+            <a:schemeClr val="accent1">
+              <a:lumMod val="75000"/>
+            </a:schemeClr>
+          </a:solidFill>
+        </p:spPr>
+        <p:style>
+          <a:lnRef idx="2">
+            <a:schemeClr val="accent1">
+              <a:shade val="50000"/>
+            </a:schemeClr>
+          </a:lnRef>
+          <a:fillRef idx="1">
+            <a:schemeClr val="accent1"/>
+          </a:fillRef>
+          <a:effectRef idx="0">
+            <a:schemeClr val="accent1"/>
+          </a:effectRef>
+          <a:fontRef idx="minor">
+            <a:schemeClr val="lt1"/>
+          </a:fontRef>
+        </p:style>
+        <p:txBody>
+          <a:bodyPr rtlCol="0" anchor="ctr"/>
+          <a:lstStyle/>
+          <a:p>
+            <a:pPr algn="ctr"/>
+            <a:r>
+              <a:rPr lang="zh-CN" altLang="en-US" dirty="0"/>
+              <a:t>自旋锁</a:t>
+            </a:r>
+          </a:p>
+        </p:txBody>
+      </p:sp>
+      <p:sp>
+        <p:nvSpPr>
+          <p:cNvPr id="7" name="矩形: 圆角 6">
+            <a:extLst>
+              <a:ext uri="{FF2B5EF4-FFF2-40B4-BE49-F238E27FC236}">
+                <a16:creationId xmlns:a16="http://schemas.microsoft.com/office/drawing/2014/main" id="{F468908B-434F-408D-8B93-9A7CA5258E04}"/>
+              </a:ext>
+            </a:extLst>
+          </p:cNvPr>
+          <p:cNvSpPr/>
+          <p:nvPr/>
+        </p:nvSpPr>
+        <p:spPr>
+          <a:xfrm>
+            <a:off x="4180112" y="3703735"/>
+            <a:ext cx="1259633" cy="485192"/>
+          </a:xfrm>
+          <a:prstGeom prst="roundRect">
+            <a:avLst/>
+          </a:prstGeom>
+          <a:solidFill>
+            <a:schemeClr val="accent1">
+              <a:lumMod val="50000"/>
+            </a:schemeClr>
+          </a:solidFill>
+        </p:spPr>
+        <p:style>
+          <a:lnRef idx="2">
+            <a:schemeClr val="accent1">
+              <a:shade val="50000"/>
+            </a:schemeClr>
+          </a:lnRef>
+          <a:fillRef idx="1">
+            <a:schemeClr val="accent1"/>
+          </a:fillRef>
+          <a:effectRef idx="0">
+            <a:schemeClr val="accent1"/>
+          </a:effectRef>
+          <a:fontRef idx="minor">
+            <a:schemeClr val="lt1"/>
+          </a:fontRef>
+        </p:style>
+        <p:txBody>
+          <a:bodyPr rtlCol="0" anchor="ctr"/>
+          <a:lstStyle/>
+          <a:p>
+            <a:pPr algn="ctr"/>
+            <a:r>
+              <a:rPr lang="zh-CN" altLang="en-US" dirty="0"/>
+              <a:t>重量级锁</a:t>
+            </a:r>
+          </a:p>
+        </p:txBody>
+      </p:sp>
+      <p:cxnSp>
+        <p:nvCxnSpPr>
+          <p:cNvPr id="14" name="直接箭头连接符 13">
+            <a:extLst>
+              <a:ext uri="{FF2B5EF4-FFF2-40B4-BE49-F238E27FC236}">
+                <a16:creationId xmlns:a16="http://schemas.microsoft.com/office/drawing/2014/main" id="{A35427C6-36CB-4B3E-A4CC-C15CAE39192B}"/>
+              </a:ext>
+            </a:extLst>
+          </p:cNvPr>
+          <p:cNvCxnSpPr>
+            <a:stCxn id="4" idx="2"/>
+            <a:endCxn id="5" idx="0"/>
+          </p:cNvCxnSpPr>
+          <p:nvPr/>
+        </p:nvCxnSpPr>
+        <p:spPr>
+          <a:xfrm>
+            <a:off x="4803581" y="1548882"/>
+            <a:ext cx="6350" cy="377890"/>
+          </a:xfrm>
+          <a:prstGeom prst="straightConnector1">
+            <a:avLst/>
+          </a:prstGeom>
+          <a:ln>
+            <a:solidFill>
+              <a:schemeClr val="accent6">
+                <a:lumMod val="50000"/>
+                <a:alpha val="60000"/>
+              </a:schemeClr>
+            </a:solidFill>
+            <a:tailEnd type="triangle"/>
+          </a:ln>
+        </p:spPr>
+        <p:style>
+          <a:lnRef idx="1">
+            <a:schemeClr val="accent1"/>
+          </a:lnRef>
+          <a:fillRef idx="0">
+            <a:schemeClr val="accent1"/>
+          </a:fillRef>
+          <a:effectRef idx="0">
+            <a:schemeClr val="accent1"/>
+          </a:effectRef>
+          <a:fontRef idx="minor">
+            <a:schemeClr val="tx1"/>
+          </a:fontRef>
+        </p:style>
+      </p:cxnSp>
+      <p:cxnSp>
+        <p:nvCxnSpPr>
+          <p:cNvPr id="16" name="直接箭头连接符 15">
+            <a:extLst>
+              <a:ext uri="{FF2B5EF4-FFF2-40B4-BE49-F238E27FC236}">
+                <a16:creationId xmlns:a16="http://schemas.microsoft.com/office/drawing/2014/main" id="{100735F8-B83B-4FC8-8E0C-D6C1229A0ECF}"/>
+              </a:ext>
+            </a:extLst>
+          </p:cNvPr>
+          <p:cNvCxnSpPr>
+            <a:stCxn id="5" idx="2"/>
+            <a:endCxn id="6" idx="0"/>
+          </p:cNvCxnSpPr>
+          <p:nvPr/>
+        </p:nvCxnSpPr>
+        <p:spPr>
+          <a:xfrm flipH="1">
+            <a:off x="4809930" y="2411964"/>
+            <a:ext cx="1" cy="459359"/>
+          </a:xfrm>
+          <a:prstGeom prst="straightConnector1">
+            <a:avLst/>
+          </a:prstGeom>
+          <a:ln>
+            <a:solidFill>
+              <a:schemeClr val="accent6">
+                <a:lumMod val="50000"/>
+                <a:alpha val="60000"/>
+              </a:schemeClr>
+            </a:solidFill>
+            <a:tailEnd type="triangle"/>
+          </a:ln>
+        </p:spPr>
+        <p:style>
+          <a:lnRef idx="1">
+            <a:schemeClr val="accent1"/>
+          </a:lnRef>
+          <a:fillRef idx="0">
+            <a:schemeClr val="accent1"/>
+          </a:fillRef>
+          <a:effectRef idx="0">
+            <a:schemeClr val="accent1"/>
+          </a:effectRef>
+          <a:fontRef idx="minor">
+            <a:schemeClr val="tx1"/>
+          </a:fontRef>
+        </p:style>
+      </p:cxnSp>
+      <p:cxnSp>
+        <p:nvCxnSpPr>
+          <p:cNvPr id="18" name="直接箭头连接符 17">
+            <a:extLst>
+              <a:ext uri="{FF2B5EF4-FFF2-40B4-BE49-F238E27FC236}">
+                <a16:creationId xmlns:a16="http://schemas.microsoft.com/office/drawing/2014/main" id="{9A3569BD-C958-470E-8805-82C060701720}"/>
+              </a:ext>
+            </a:extLst>
+          </p:cNvPr>
+          <p:cNvCxnSpPr>
+            <a:stCxn id="6" idx="2"/>
+            <a:endCxn id="7" idx="0"/>
+          </p:cNvCxnSpPr>
+          <p:nvPr/>
+        </p:nvCxnSpPr>
+        <p:spPr>
+          <a:xfrm flipH="1">
+            <a:off x="4809929" y="3356515"/>
+            <a:ext cx="1" cy="347220"/>
+          </a:xfrm>
+          <a:prstGeom prst="straightConnector1">
+            <a:avLst/>
+          </a:prstGeom>
+          <a:ln>
+            <a:solidFill>
+              <a:schemeClr val="accent6">
+                <a:lumMod val="50000"/>
+                <a:alpha val="60000"/>
+              </a:schemeClr>
+            </a:solidFill>
+            <a:tailEnd type="triangle"/>
+          </a:ln>
+        </p:spPr>
+        <p:style>
+          <a:lnRef idx="1">
+            <a:schemeClr val="accent1"/>
+          </a:lnRef>
+          <a:fillRef idx="0">
+            <a:schemeClr val="accent1"/>
+          </a:fillRef>
+          <a:effectRef idx="0">
+            <a:schemeClr val="accent1"/>
+          </a:effectRef>
+          <a:fontRef idx="minor">
+            <a:schemeClr val="tx1"/>
+          </a:fontRef>
+        </p:style>
+      </p:cxnSp>
+    </p:spTree>
+    <p:extLst>
+      <p:ext uri="{BB962C8B-B14F-4D97-AF65-F5344CB8AC3E}">
+        <p14:creationId xmlns:p14="http://schemas.microsoft.com/office/powerpoint/2010/main" val="4249582033"/>
       </p:ext>
     </p:extLst>
   </p:cSld>
